--- a/doc/Diagrams.pptx
+++ b/doc/Diagrams.pptx
@@ -194,7 +194,7 @@
           <a:p>
             <a:fld id="{F5CC4B3F-88C1-4FFA-B1B6-F41C21DC6924}" type="datetimeFigureOut">
               <a:rPr lang="en-US" smtClean="0"/>
-              <a:t>9/18/2016</a:t>
+              <a:t>9/27/2016</a:t>
             </a:fld>
             <a:endParaRPr lang="en-US"/>
           </a:p>
@@ -727,7 +727,7 @@
           <a:p>
             <a:fld id="{78C97017-6FC3-485B-9764-EAC9E56C1D49}" type="datetimeFigureOut">
               <a:rPr lang="en-US" smtClean="0"/>
-              <a:t>9/18/2016</a:t>
+              <a:t>9/27/2016</a:t>
             </a:fld>
             <a:endParaRPr lang="en-US"/>
           </a:p>
@@ -897,7 +897,7 @@
           <a:p>
             <a:fld id="{78C97017-6FC3-485B-9764-EAC9E56C1D49}" type="datetimeFigureOut">
               <a:rPr lang="en-US" smtClean="0"/>
-              <a:t>9/18/2016</a:t>
+              <a:t>9/27/2016</a:t>
             </a:fld>
             <a:endParaRPr lang="en-US"/>
           </a:p>
@@ -1077,7 +1077,7 @@
           <a:p>
             <a:fld id="{78C97017-6FC3-485B-9764-EAC9E56C1D49}" type="datetimeFigureOut">
               <a:rPr lang="en-US" smtClean="0"/>
-              <a:t>9/18/2016</a:t>
+              <a:t>9/27/2016</a:t>
             </a:fld>
             <a:endParaRPr lang="en-US"/>
           </a:p>
@@ -1247,7 +1247,7 @@
           <a:p>
             <a:fld id="{78C97017-6FC3-485B-9764-EAC9E56C1D49}" type="datetimeFigureOut">
               <a:rPr lang="en-US" smtClean="0"/>
-              <a:t>9/18/2016</a:t>
+              <a:t>9/27/2016</a:t>
             </a:fld>
             <a:endParaRPr lang="en-US"/>
           </a:p>
@@ -1493,7 +1493,7 @@
           <a:p>
             <a:fld id="{78C97017-6FC3-485B-9764-EAC9E56C1D49}" type="datetimeFigureOut">
               <a:rPr lang="en-US" smtClean="0"/>
-              <a:t>9/18/2016</a:t>
+              <a:t>9/27/2016</a:t>
             </a:fld>
             <a:endParaRPr lang="en-US"/>
           </a:p>
@@ -1781,7 +1781,7 @@
           <a:p>
             <a:fld id="{78C97017-6FC3-485B-9764-EAC9E56C1D49}" type="datetimeFigureOut">
               <a:rPr lang="en-US" smtClean="0"/>
-              <a:t>9/18/2016</a:t>
+              <a:t>9/27/2016</a:t>
             </a:fld>
             <a:endParaRPr lang="en-US"/>
           </a:p>
@@ -2203,7 +2203,7 @@
           <a:p>
             <a:fld id="{78C97017-6FC3-485B-9764-EAC9E56C1D49}" type="datetimeFigureOut">
               <a:rPr lang="en-US" smtClean="0"/>
-              <a:t>9/18/2016</a:t>
+              <a:t>9/27/2016</a:t>
             </a:fld>
             <a:endParaRPr lang="en-US"/>
           </a:p>
@@ -2321,7 +2321,7 @@
           <a:p>
             <a:fld id="{78C97017-6FC3-485B-9764-EAC9E56C1D49}" type="datetimeFigureOut">
               <a:rPr lang="en-US" smtClean="0"/>
-              <a:t>9/18/2016</a:t>
+              <a:t>9/27/2016</a:t>
             </a:fld>
             <a:endParaRPr lang="en-US"/>
           </a:p>
@@ -2416,7 +2416,7 @@
           <a:p>
             <a:fld id="{78C97017-6FC3-485B-9764-EAC9E56C1D49}" type="datetimeFigureOut">
               <a:rPr lang="en-US" smtClean="0"/>
-              <a:t>9/18/2016</a:t>
+              <a:t>9/27/2016</a:t>
             </a:fld>
             <a:endParaRPr lang="en-US"/>
           </a:p>
@@ -2693,7 +2693,7 @@
           <a:p>
             <a:fld id="{78C97017-6FC3-485B-9764-EAC9E56C1D49}" type="datetimeFigureOut">
               <a:rPr lang="en-US" smtClean="0"/>
-              <a:t>9/18/2016</a:t>
+              <a:t>9/27/2016</a:t>
             </a:fld>
             <a:endParaRPr lang="en-US"/>
           </a:p>
@@ -2946,7 +2946,7 @@
           <a:p>
             <a:fld id="{78C97017-6FC3-485B-9764-EAC9E56C1D49}" type="datetimeFigureOut">
               <a:rPr lang="en-US" smtClean="0"/>
-              <a:t>9/18/2016</a:t>
+              <a:t>9/27/2016</a:t>
             </a:fld>
             <a:endParaRPr lang="en-US"/>
           </a:p>
@@ -3159,7 +3159,7 @@
           <a:p>
             <a:fld id="{78C97017-6FC3-485B-9764-EAC9E56C1D49}" type="datetimeFigureOut">
               <a:rPr lang="en-US" smtClean="0"/>
-              <a:t>9/18/2016</a:t>
+              <a:t>9/27/2016</a:t>
             </a:fld>
             <a:endParaRPr lang="en-US"/>
           </a:p>
@@ -6926,7 +6926,7 @@
         </p:nvSpPr>
         <p:spPr>
           <a:xfrm>
-            <a:off x="2414826" y="4460471"/>
+            <a:off x="1804246" y="4363150"/>
             <a:ext cx="790193" cy="346760"/>
           </a:xfrm>
           <a:prstGeom prst="rect">
@@ -6988,7 +6988,7 @@
         </p:nvCxnSpPr>
         <p:spPr>
           <a:xfrm rot="16200000" flipH="1">
-            <a:off x="2651435" y="4301982"/>
+            <a:off x="2040855" y="4204661"/>
             <a:ext cx="316975" cy="1"/>
           </a:xfrm>
           <a:prstGeom prst="bentConnector3">
@@ -7028,7 +7028,7 @@
         </p:nvSpPr>
         <p:spPr>
           <a:xfrm>
-            <a:off x="2414826" y="3700884"/>
+            <a:off x="1804246" y="3603563"/>
             <a:ext cx="790192" cy="442612"/>
           </a:xfrm>
           <a:prstGeom prst="rect">
@@ -7087,7 +7087,7 @@
         </p:nvSpPr>
         <p:spPr>
           <a:xfrm>
-            <a:off x="914400" y="3707233"/>
+            <a:off x="303820" y="3609912"/>
             <a:ext cx="790192" cy="442612"/>
           </a:xfrm>
           <a:prstGeom prst="rect">
@@ -7141,7 +7141,7 @@
         </p:nvCxnSpPr>
         <p:spPr>
           <a:xfrm flipV="1">
-            <a:off x="1704592" y="3922190"/>
+            <a:off x="1094012" y="3824869"/>
             <a:ext cx="710234" cy="6349"/>
           </a:xfrm>
           <a:prstGeom prst="bentConnector3">
@@ -7185,7 +7185,7 @@
         </p:nvCxnSpPr>
         <p:spPr>
           <a:xfrm rot="16200000" flipH="1">
-            <a:off x="1620158" y="3839183"/>
+            <a:off x="1009578" y="3741862"/>
             <a:ext cx="484006" cy="1105330"/>
           </a:xfrm>
           <a:prstGeom prst="bentConnector2">
@@ -7224,7 +7224,7 @@
         </p:nvSpPr>
         <p:spPr>
           <a:xfrm>
-            <a:off x="5830791" y="4439195"/>
+            <a:off x="5220211" y="4341874"/>
             <a:ext cx="790193" cy="346760"/>
           </a:xfrm>
           <a:prstGeom prst="rect">
@@ -7301,7 +7301,7 @@
         </p:nvCxnSpPr>
         <p:spPr>
           <a:xfrm rot="16200000" flipH="1">
-            <a:off x="6067400" y="4280706"/>
+            <a:off x="5456820" y="4183385"/>
             <a:ext cx="316975" cy="1"/>
           </a:xfrm>
           <a:prstGeom prst="bentConnector3">
@@ -7341,7 +7341,7 @@
         </p:nvSpPr>
         <p:spPr>
           <a:xfrm>
-            <a:off x="5830791" y="3679608"/>
+            <a:off x="5220211" y="3582287"/>
             <a:ext cx="790192" cy="442612"/>
           </a:xfrm>
           <a:prstGeom prst="rect">
@@ -7400,7 +7400,7 @@
         </p:nvSpPr>
         <p:spPr>
           <a:xfrm>
-            <a:off x="4154391" y="3685957"/>
+            <a:off x="3543811" y="3588636"/>
             <a:ext cx="790192" cy="442612"/>
           </a:xfrm>
           <a:prstGeom prst="rect">
@@ -7454,7 +7454,7 @@
         </p:nvCxnSpPr>
         <p:spPr>
           <a:xfrm flipV="1">
-            <a:off x="4944583" y="3900914"/>
+            <a:off x="4334003" y="3803593"/>
             <a:ext cx="886208" cy="6349"/>
           </a:xfrm>
           <a:prstGeom prst="bentConnector3">
@@ -7498,7 +7498,7 @@
         </p:nvCxnSpPr>
         <p:spPr>
           <a:xfrm rot="16200000" flipH="1">
-            <a:off x="4113498" y="4564558"/>
+            <a:off x="3502918" y="4467237"/>
             <a:ext cx="1162683" cy="290704"/>
           </a:xfrm>
           <a:prstGeom prst="bentConnector2">
@@ -7537,7 +7537,7 @@
         </p:nvSpPr>
         <p:spPr>
           <a:xfrm>
-            <a:off x="4840191" y="5117872"/>
+            <a:off x="4229611" y="5020551"/>
             <a:ext cx="865573" cy="346760"/>
           </a:xfrm>
           <a:prstGeom prst="rect">
@@ -7594,7 +7594,7 @@
         </p:nvSpPr>
         <p:spPr>
           <a:xfrm>
-            <a:off x="5763827" y="5117872"/>
+            <a:off x="5153247" y="5020551"/>
             <a:ext cx="865573" cy="346760"/>
           </a:xfrm>
           <a:prstGeom prst="rect">
@@ -7653,7 +7653,7 @@
         </p:nvSpPr>
         <p:spPr>
           <a:xfrm rot="10800000" flipV="1">
-            <a:off x="6063663" y="4785955"/>
+            <a:off x="5453083" y="4688634"/>
             <a:ext cx="270504" cy="175523"/>
           </a:xfrm>
           <a:prstGeom prst="triangle">
@@ -7700,7 +7700,7 @@
         </p:nvCxnSpPr>
         <p:spPr>
           <a:xfrm rot="5400000">
-            <a:off x="5657750" y="4576707"/>
+            <a:off x="5047170" y="4479386"/>
             <a:ext cx="156394" cy="925937"/>
           </a:xfrm>
           <a:prstGeom prst="bentConnector3">
@@ -7744,7 +7744,7 @@
         </p:nvCxnSpPr>
         <p:spPr>
           <a:xfrm rot="5400000">
-            <a:off x="6119568" y="5038525"/>
+            <a:off x="5508988" y="4941204"/>
             <a:ext cx="156394" cy="2301"/>
           </a:xfrm>
           <a:prstGeom prst="bentConnector3">
@@ -7785,7 +7785,7 @@
         </p:nvSpPr>
         <p:spPr>
           <a:xfrm>
-            <a:off x="3505200" y="4122220"/>
+            <a:off x="2894620" y="4024899"/>
             <a:ext cx="304800" cy="269627"/>
           </a:xfrm>
           <a:prstGeom prst="stripedRightArrow">
@@ -7833,7 +7833,7 @@
         </p:nvSpPr>
         <p:spPr>
           <a:xfrm>
-            <a:off x="2209799" y="1750187"/>
+            <a:off x="757986" y="1325725"/>
             <a:ext cx="790193" cy="346760"/>
           </a:xfrm>
           <a:prstGeom prst="rect">
@@ -7895,7 +7895,7 @@
         </p:nvCxnSpPr>
         <p:spPr>
           <a:xfrm rot="16200000" flipH="1">
-            <a:off x="2446408" y="1591698"/>
+            <a:off x="994595" y="1167236"/>
             <a:ext cx="316975" cy="1"/>
           </a:xfrm>
           <a:prstGeom prst="bentConnector3">
@@ -7935,7 +7935,7 @@
         </p:nvSpPr>
         <p:spPr>
           <a:xfrm>
-            <a:off x="2209799" y="990600"/>
+            <a:off x="757986" y="566138"/>
             <a:ext cx="790192" cy="442612"/>
           </a:xfrm>
           <a:prstGeom prst="rect">
@@ -7994,7 +7994,7 @@
         </p:nvSpPr>
         <p:spPr>
           <a:xfrm>
-            <a:off x="4270468" y="1719833"/>
+            <a:off x="2818655" y="1295371"/>
             <a:ext cx="790193" cy="346760"/>
           </a:xfrm>
           <a:prstGeom prst="rect">
@@ -8071,7 +8071,7 @@
         </p:nvCxnSpPr>
         <p:spPr>
           <a:xfrm rot="16200000" flipH="1">
-            <a:off x="4507077" y="1561344"/>
+            <a:off x="3055264" y="1136882"/>
             <a:ext cx="316975" cy="1"/>
           </a:xfrm>
           <a:prstGeom prst="bentConnector3">
@@ -8111,7 +8111,7 @@
         </p:nvSpPr>
         <p:spPr>
           <a:xfrm>
-            <a:off x="4270468" y="960246"/>
+            <a:off x="2818655" y="535784"/>
             <a:ext cx="790192" cy="442612"/>
           </a:xfrm>
           <a:prstGeom prst="rect">
@@ -8170,7 +8170,7 @@
         </p:nvSpPr>
         <p:spPr>
           <a:xfrm>
-            <a:off x="4232778" y="2398510"/>
+            <a:off x="2780965" y="1974048"/>
             <a:ext cx="865573" cy="346760"/>
           </a:xfrm>
           <a:prstGeom prst="rect">
@@ -8229,7 +8229,7 @@
         </p:nvSpPr>
         <p:spPr>
           <a:xfrm rot="10800000" flipV="1">
-            <a:off x="4530312" y="2066593"/>
+            <a:off x="3078499" y="1642131"/>
             <a:ext cx="270504" cy="175523"/>
           </a:xfrm>
           <a:prstGeom prst="triangle">
@@ -8276,7 +8276,7 @@
         </p:nvCxnSpPr>
         <p:spPr>
           <a:xfrm rot="16200000" flipH="1">
-            <a:off x="4587367" y="2320312"/>
+            <a:off x="3135554" y="1895850"/>
             <a:ext cx="156394" cy="1"/>
           </a:xfrm>
           <a:prstGeom prst="bentConnector3">
@@ -8317,7 +8317,7 @@
         </p:nvSpPr>
         <p:spPr>
           <a:xfrm>
-            <a:off x="3498756" y="1402858"/>
+            <a:off x="2046943" y="978396"/>
             <a:ext cx="304800" cy="269627"/>
           </a:xfrm>
           <a:prstGeom prst="stripedRightArrow">
@@ -8357,6 +8357,449 @@
           </a:p>
         </p:txBody>
       </p:sp>
+      <p:sp>
+        <p:nvSpPr>
+          <p:cNvPr id="33" name="Rectangle 22"/>
+          <p:cNvSpPr/>
+          <p:nvPr/>
+        </p:nvSpPr>
+        <p:spPr>
+          <a:xfrm>
+            <a:off x="8142313" y="4319444"/>
+            <a:ext cx="790193" cy="346760"/>
+          </a:xfrm>
+          <a:prstGeom prst="rect">
+            <a:avLst/>
+          </a:prstGeom>
+          <a:solidFill>
+            <a:srgbClr val="00B050"/>
+          </a:solidFill>
+          <a:ln w="19050">
+            <a:solidFill>
+              <a:srgbClr val="00B050"/>
+            </a:solidFill>
+          </a:ln>
+          <a:effectLst/>
+        </p:spPr>
+        <p:style>
+          <a:lnRef idx="1">
+            <a:schemeClr val="accent2"/>
+          </a:lnRef>
+          <a:fillRef idx="2">
+            <a:schemeClr val="accent2"/>
+          </a:fillRef>
+          <a:effectRef idx="1">
+            <a:schemeClr val="accent2"/>
+          </a:effectRef>
+          <a:fontRef idx="minor">
+            <a:schemeClr val="dk1"/>
+          </a:fontRef>
+        </p:style>
+        <p:txBody>
+          <a:bodyPr rtlCol="0" anchor="ctr"/>
+          <a:lstStyle/>
+          <a:p>
+            <a:pPr algn="ctr"/>
+            <a:r>
+              <a:rPr lang="en-US" sz="1050" dirty="0" err="1">
+                <a:solidFill>
+                  <a:schemeClr val="bg1"/>
+                </a:solidFill>
+              </a:rPr>
+              <a:t>StorageFile</a:t>
+            </a:r>
+            <a:endParaRPr lang="en-SG" sz="1050" dirty="0">
+              <a:solidFill>
+                <a:schemeClr val="bg1"/>
+              </a:solidFill>
+            </a:endParaRPr>
+          </a:p>
+        </p:txBody>
+      </p:sp>
+      <p:cxnSp>
+        <p:nvCxnSpPr>
+          <p:cNvPr id="34" name="Elbow Connector 40"/>
+          <p:cNvCxnSpPr>
+            <a:stCxn id="35" idx="2"/>
+            <a:endCxn id="33" idx="0"/>
+          </p:cNvCxnSpPr>
+          <p:nvPr/>
+        </p:nvCxnSpPr>
+        <p:spPr>
+          <a:xfrm rot="16200000" flipH="1">
+            <a:off x="8378922" y="4160955"/>
+            <a:ext cx="316975" cy="1"/>
+          </a:xfrm>
+          <a:prstGeom prst="bentConnector3">
+            <a:avLst>
+              <a:gd name="adj1" fmla="val 50000"/>
+            </a:avLst>
+          </a:prstGeom>
+          <a:ln w="19050">
+            <a:solidFill>
+              <a:srgbClr val="0070C0"/>
+            </a:solidFill>
+            <a:headEnd type="none" w="med" len="med"/>
+            <a:tailEnd type="arrow" w="med" len="med"/>
+          </a:ln>
+          <a:effectLst/>
+        </p:spPr>
+        <p:style>
+          <a:lnRef idx="1">
+            <a:schemeClr val="accent2"/>
+          </a:lnRef>
+          <a:fillRef idx="2">
+            <a:schemeClr val="accent2"/>
+          </a:fillRef>
+          <a:effectRef idx="1">
+            <a:schemeClr val="accent2"/>
+          </a:effectRef>
+          <a:fontRef idx="minor">
+            <a:schemeClr val="dk1"/>
+          </a:fontRef>
+        </p:style>
+      </p:cxnSp>
+      <p:sp>
+        <p:nvSpPr>
+          <p:cNvPr id="35" name="Rectangle 65"/>
+          <p:cNvSpPr/>
+          <p:nvPr/>
+        </p:nvSpPr>
+        <p:spPr>
+          <a:xfrm>
+            <a:off x="8142313" y="3559857"/>
+            <a:ext cx="790192" cy="442612"/>
+          </a:xfrm>
+          <a:prstGeom prst="rect">
+            <a:avLst/>
+          </a:prstGeom>
+          <a:solidFill>
+            <a:srgbClr val="0070C0"/>
+          </a:solidFill>
+          <a:ln w="19050">
+            <a:solidFill>
+              <a:srgbClr val="0070C0"/>
+            </a:solidFill>
+          </a:ln>
+          <a:effectLst/>
+        </p:spPr>
+        <p:style>
+          <a:lnRef idx="1">
+            <a:schemeClr val="accent2"/>
+          </a:lnRef>
+          <a:fillRef idx="2">
+            <a:schemeClr val="accent2"/>
+          </a:fillRef>
+          <a:effectRef idx="1">
+            <a:schemeClr val="accent2"/>
+          </a:effectRef>
+          <a:fontRef idx="minor">
+            <a:schemeClr val="dk1"/>
+          </a:fontRef>
+        </p:style>
+        <p:txBody>
+          <a:bodyPr rtlCol="0" anchor="ctr"/>
+          <a:lstStyle/>
+          <a:p>
+            <a:pPr algn="ctr"/>
+            <a:r>
+              <a:rPr lang="en-US" sz="1050" dirty="0">
+                <a:solidFill>
+                  <a:schemeClr val="bg1"/>
+                </a:solidFill>
+              </a:rPr>
+              <a:t>Logic</a:t>
+            </a:r>
+            <a:endParaRPr lang="en-SG" sz="1050" dirty="0">
+              <a:solidFill>
+                <a:schemeClr val="bg1"/>
+              </a:solidFill>
+            </a:endParaRPr>
+          </a:p>
+        </p:txBody>
+      </p:sp>
+      <p:sp>
+        <p:nvSpPr>
+          <p:cNvPr id="36" name="Rectangle 65"/>
+          <p:cNvSpPr/>
+          <p:nvPr/>
+        </p:nvSpPr>
+        <p:spPr>
+          <a:xfrm>
+            <a:off x="6465913" y="3566206"/>
+            <a:ext cx="790192" cy="442612"/>
+          </a:xfrm>
+          <a:prstGeom prst="rect">
+            <a:avLst/>
+          </a:prstGeom>
+          <a:ln/>
+        </p:spPr>
+        <p:style>
+          <a:lnRef idx="2">
+            <a:schemeClr val="accent1"/>
+          </a:lnRef>
+          <a:fillRef idx="1">
+            <a:schemeClr val="lt1"/>
+          </a:fillRef>
+          <a:effectRef idx="0">
+            <a:schemeClr val="accent1"/>
+          </a:effectRef>
+          <a:fontRef idx="minor">
+            <a:schemeClr val="dk1"/>
+          </a:fontRef>
+        </p:style>
+        <p:txBody>
+          <a:bodyPr rtlCol="0" anchor="ctr"/>
+          <a:lstStyle/>
+          <a:p>
+            <a:pPr algn="ctr"/>
+            <a:r>
+              <a:rPr lang="en-US" sz="1050" dirty="0" err="1" smtClean="0">
+                <a:solidFill>
+                  <a:srgbClr val="0070C0"/>
+                </a:solidFill>
+              </a:rPr>
+              <a:t>LogicTest</a:t>
+            </a:r>
+            <a:endParaRPr lang="en-SG" sz="1050" dirty="0">
+              <a:solidFill>
+                <a:srgbClr val="0070C0"/>
+              </a:solidFill>
+            </a:endParaRPr>
+          </a:p>
+        </p:txBody>
+      </p:sp>
+      <p:cxnSp>
+        <p:nvCxnSpPr>
+          <p:cNvPr id="39" name="Elbow Connector 40"/>
+          <p:cNvCxnSpPr>
+            <a:stCxn id="36" idx="3"/>
+            <a:endCxn id="35" idx="1"/>
+          </p:cNvCxnSpPr>
+          <p:nvPr/>
+        </p:nvCxnSpPr>
+        <p:spPr>
+          <a:xfrm flipV="1">
+            <a:off x="7256105" y="3781163"/>
+            <a:ext cx="886208" cy="6349"/>
+          </a:xfrm>
+          <a:prstGeom prst="bentConnector3">
+            <a:avLst>
+              <a:gd name="adj1" fmla="val 50000"/>
+            </a:avLst>
+          </a:prstGeom>
+          <a:ln w="19050">
+            <a:solidFill>
+              <a:srgbClr val="0070C0"/>
+            </a:solidFill>
+            <a:prstDash val="dash"/>
+            <a:headEnd type="none" w="med" len="med"/>
+            <a:tailEnd type="arrow" w="med" len="med"/>
+          </a:ln>
+          <a:effectLst/>
+        </p:spPr>
+        <p:style>
+          <a:lnRef idx="1">
+            <a:schemeClr val="accent2"/>
+          </a:lnRef>
+          <a:fillRef idx="2">
+            <a:schemeClr val="accent2"/>
+          </a:fillRef>
+          <a:effectRef idx="1">
+            <a:schemeClr val="accent2"/>
+          </a:effectRef>
+          <a:fontRef idx="minor">
+            <a:schemeClr val="dk1"/>
+          </a:fontRef>
+        </p:style>
+      </p:cxnSp>
+      <p:cxnSp>
+        <p:nvCxnSpPr>
+          <p:cNvPr id="42" name="Elbow Connector 40"/>
+          <p:cNvCxnSpPr>
+            <a:stCxn id="36" idx="2"/>
+            <a:endCxn id="43" idx="1"/>
+          </p:cNvCxnSpPr>
+          <p:nvPr/>
+        </p:nvCxnSpPr>
+        <p:spPr>
+          <a:xfrm rot="16200000" flipH="1">
+            <a:off x="6888571" y="3981256"/>
+            <a:ext cx="1162683" cy="1217806"/>
+          </a:xfrm>
+          <a:prstGeom prst="bentConnector2">
+            <a:avLst/>
+          </a:prstGeom>
+          <a:ln w="19050">
+            <a:solidFill>
+              <a:srgbClr val="0070C0"/>
+            </a:solidFill>
+            <a:prstDash val="dash"/>
+            <a:headEnd type="none" w="med" len="med"/>
+            <a:tailEnd type="arrow" w="med" len="med"/>
+          </a:ln>
+          <a:effectLst/>
+        </p:spPr>
+        <p:style>
+          <a:lnRef idx="1">
+            <a:schemeClr val="accent2"/>
+          </a:lnRef>
+          <a:fillRef idx="2">
+            <a:schemeClr val="accent2"/>
+          </a:fillRef>
+          <a:effectRef idx="1">
+            <a:schemeClr val="accent2"/>
+          </a:effectRef>
+          <a:fontRef idx="minor">
+            <a:schemeClr val="dk1"/>
+          </a:fontRef>
+        </p:style>
+      </p:cxnSp>
+      <p:sp>
+        <p:nvSpPr>
+          <p:cNvPr id="43" name="Rectangle 22"/>
+          <p:cNvSpPr/>
+          <p:nvPr/>
+        </p:nvSpPr>
+        <p:spPr>
+          <a:xfrm>
+            <a:off x="8078815" y="4998121"/>
+            <a:ext cx="865573" cy="346760"/>
+          </a:xfrm>
+          <a:prstGeom prst="rect">
+            <a:avLst/>
+          </a:prstGeom>
+          <a:noFill/>
+          <a:ln w="19050">
+            <a:solidFill>
+              <a:srgbClr val="00B050"/>
+            </a:solidFill>
+          </a:ln>
+          <a:effectLst/>
+        </p:spPr>
+        <p:style>
+          <a:lnRef idx="1">
+            <a:schemeClr val="accent2"/>
+          </a:lnRef>
+          <a:fillRef idx="2">
+            <a:schemeClr val="accent2"/>
+          </a:fillRef>
+          <a:effectRef idx="1">
+            <a:schemeClr val="accent2"/>
+          </a:effectRef>
+          <a:fontRef idx="minor">
+            <a:schemeClr val="dk1"/>
+          </a:fontRef>
+        </p:style>
+        <p:txBody>
+          <a:bodyPr rtlCol="0" anchor="ctr"/>
+          <a:lstStyle/>
+          <a:p>
+            <a:pPr algn="ctr"/>
+            <a:r>
+              <a:rPr lang="en-US" sz="1050" dirty="0" err="1" smtClean="0">
+                <a:solidFill>
+                  <a:srgbClr val="00B050"/>
+                </a:solidFill>
+              </a:rPr>
+              <a:t>StorageStub</a:t>
+            </a:r>
+            <a:endParaRPr lang="en-SG" sz="1050" dirty="0">
+              <a:solidFill>
+                <a:srgbClr val="00B050"/>
+              </a:solidFill>
+            </a:endParaRPr>
+          </a:p>
+        </p:txBody>
+      </p:sp>
+      <p:sp>
+        <p:nvSpPr>
+          <p:cNvPr id="45" name="Isosceles Triangle 102"/>
+          <p:cNvSpPr/>
+          <p:nvPr/>
+        </p:nvSpPr>
+        <p:spPr>
+          <a:xfrm rot="10800000" flipV="1">
+            <a:off x="8375185" y="4666204"/>
+            <a:ext cx="270504" cy="175523"/>
+          </a:xfrm>
+          <a:prstGeom prst="triangle">
+            <a:avLst/>
+          </a:prstGeom>
+          <a:ln>
+            <a:solidFill>
+              <a:srgbClr val="00B050"/>
+            </a:solidFill>
+          </a:ln>
+          <a:effectLst/>
+        </p:spPr>
+        <p:style>
+          <a:lnRef idx="1">
+            <a:schemeClr val="accent3"/>
+          </a:lnRef>
+          <a:fillRef idx="2">
+            <a:schemeClr val="accent3"/>
+          </a:fillRef>
+          <a:effectRef idx="1">
+            <a:schemeClr val="accent3"/>
+          </a:effectRef>
+          <a:fontRef idx="minor">
+            <a:schemeClr val="dk1"/>
+          </a:fontRef>
+        </p:style>
+        <p:txBody>
+          <a:bodyPr rtlCol="0" anchor="ctr"/>
+          <a:lstStyle/>
+          <a:p>
+            <a:pPr algn="ctr"/>
+            <a:endParaRPr lang="en-SG" sz="1050"/>
+          </a:p>
+        </p:txBody>
+      </p:sp>
+      <p:cxnSp>
+        <p:nvCxnSpPr>
+          <p:cNvPr id="46" name="Elbow Connector 103"/>
+          <p:cNvCxnSpPr>
+            <a:stCxn id="45" idx="3"/>
+            <a:endCxn id="43" idx="0"/>
+          </p:cNvCxnSpPr>
+          <p:nvPr/>
+        </p:nvCxnSpPr>
+        <p:spPr>
+          <a:xfrm rot="16200000" flipH="1">
+            <a:off x="8432822" y="4919341"/>
+            <a:ext cx="156394" cy="1165"/>
+          </a:xfrm>
+          <a:prstGeom prst="bentConnector3">
+            <a:avLst>
+              <a:gd name="adj1" fmla="val 50000"/>
+            </a:avLst>
+          </a:prstGeom>
+          <a:ln w="19050">
+            <a:solidFill>
+              <a:srgbClr val="00B050"/>
+            </a:solidFill>
+            <a:prstDash val="solid"/>
+            <a:headEnd type="none" w="med" len="med"/>
+            <a:tailEnd type="none" w="med" len="med"/>
+          </a:ln>
+          <a:effectLst/>
+        </p:spPr>
+        <p:style>
+          <a:lnRef idx="1">
+            <a:schemeClr val="accent2"/>
+          </a:lnRef>
+          <a:fillRef idx="2">
+            <a:schemeClr val="accent2"/>
+          </a:fillRef>
+          <a:effectRef idx="1">
+            <a:schemeClr val="accent2"/>
+          </a:effectRef>
+          <a:fontRef idx="minor">
+            <a:schemeClr val="dk1"/>
+          </a:fontRef>
+        </p:style>
+      </p:cxnSp>
     </p:spTree>
     <p:extLst>
       <p:ext uri="{BB962C8B-B14F-4D97-AF65-F5344CB8AC3E}">
